--- a/doc/Презентация.pptx
+++ b/doc/Презентация.pptx
@@ -5,7 +5,7 @@
     <p:sldMasterId id="2147483662" r:id="rId1"/>
   </p:sldMasterIdLst>
   <p:notesMasterIdLst>
-    <p:notesMasterId r:id="rId15"/>
+    <p:notesMasterId r:id="rId16"/>
   </p:notesMasterIdLst>
   <p:sldIdLst>
     <p:sldId id="256" r:id="rId2"/>
@@ -17,20 +17,21 @@
     <p:sldId id="262" r:id="rId8"/>
     <p:sldId id="274" r:id="rId9"/>
     <p:sldId id="263" r:id="rId10"/>
-    <p:sldId id="275" r:id="rId11"/>
-    <p:sldId id="276" r:id="rId12"/>
-    <p:sldId id="265" r:id="rId13"/>
-    <p:sldId id="266" r:id="rId14"/>
+    <p:sldId id="277" r:id="rId11"/>
+    <p:sldId id="275" r:id="rId12"/>
+    <p:sldId id="276" r:id="rId13"/>
+    <p:sldId id="265" r:id="rId14"/>
+    <p:sldId id="266" r:id="rId15"/>
   </p:sldIdLst>
   <p:sldSz cx="9144000" cy="5143500" type="screen16x9"/>
   <p:notesSz cx="6858000" cy="9144000"/>
   <p:embeddedFontLst>
     <p:embeddedFont>
       <p:font typeface="Roboto" panose="02000000000000000000" pitchFamily="2" charset="0"/>
-      <p:regular r:id="rId16"/>
-      <p:bold r:id="rId17"/>
-      <p:italic r:id="rId18"/>
-      <p:boldItalic r:id="rId19"/>
+      <p:regular r:id="rId17"/>
+      <p:bold r:id="rId18"/>
+      <p:italic r:id="rId19"/>
+      <p:boldItalic r:id="rId20"/>
     </p:embeddedFont>
   </p:embeddedFontLst>
   <p:defaultTextStyle>
@@ -836,6 +837,133 @@
   <p:cSld>
     <p:spTree>
       <p:nvGrpSpPr>
+        <p:cNvPr id="1" name="Shape 124">
+          <a:extLst>
+            <a:ext uri="{FF2B5EF4-FFF2-40B4-BE49-F238E27FC236}">
+              <a16:creationId xmlns:a16="http://schemas.microsoft.com/office/drawing/2014/main" id="{3E55D96D-1DEE-9F16-A81B-305CE28C611F}"/>
+            </a:ext>
+          </a:extLst>
+        </p:cNvPr>
+        <p:cNvGrpSpPr/>
+        <p:nvPr/>
+      </p:nvGrpSpPr>
+      <p:grpSpPr>
+        <a:xfrm>
+          <a:off x="0" y="0"/>
+          <a:ext cx="0" cy="0"/>
+          <a:chOff x="0" y="0"/>
+          <a:chExt cx="0" cy="0"/>
+        </a:xfrm>
+      </p:grpSpPr>
+      <p:sp>
+        <p:nvSpPr>
+          <p:cNvPr id="125" name="Google Shape;125;gdf29b9fb24_0_69:notes">
+            <a:extLst>
+              <a:ext uri="{FF2B5EF4-FFF2-40B4-BE49-F238E27FC236}">
+                <a16:creationId xmlns:a16="http://schemas.microsoft.com/office/drawing/2014/main" id="{87695A49-13F1-4D03-1008-F92D05C9488E}"/>
+              </a:ext>
+            </a:extLst>
+          </p:cNvPr>
+          <p:cNvSpPr>
+            <a:spLocks noGrp="1" noRot="1" noChangeAspect="1"/>
+          </p:cNvSpPr>
+          <p:nvPr>
+            <p:ph type="sldImg" idx="2"/>
+          </p:nvPr>
+        </p:nvSpPr>
+        <p:spPr>
+          <a:xfrm>
+            <a:off x="381000" y="685800"/>
+            <a:ext cx="6096000" cy="3429000"/>
+          </a:xfrm>
+          <a:custGeom>
+            <a:avLst/>
+            <a:gdLst/>
+            <a:ahLst/>
+            <a:cxnLst/>
+            <a:rect l="l" t="t" r="r" b="b"/>
+            <a:pathLst>
+              <a:path w="120000" h="120000" extrusionOk="0">
+                <a:moveTo>
+                  <a:pt x="0" y="0"/>
+                </a:moveTo>
+                <a:lnTo>
+                  <a:pt x="120000" y="0"/>
+                </a:lnTo>
+                <a:lnTo>
+                  <a:pt x="120000" y="120000"/>
+                </a:lnTo>
+                <a:lnTo>
+                  <a:pt x="0" y="120000"/>
+                </a:lnTo>
+                <a:close/>
+              </a:path>
+            </a:pathLst>
+          </a:custGeom>
+        </p:spPr>
+      </p:sp>
+      <p:sp>
+        <p:nvSpPr>
+          <p:cNvPr id="126" name="Google Shape;126;gdf29b9fb24_0_69:notes">
+            <a:extLst>
+              <a:ext uri="{FF2B5EF4-FFF2-40B4-BE49-F238E27FC236}">
+                <a16:creationId xmlns:a16="http://schemas.microsoft.com/office/drawing/2014/main" id="{83FA0FA8-A1BC-2E0B-BF1C-1F600FAE62F5}"/>
+              </a:ext>
+            </a:extLst>
+          </p:cNvPr>
+          <p:cNvSpPr txBox="1">
+            <a:spLocks noGrp="1"/>
+          </p:cNvSpPr>
+          <p:nvPr>
+            <p:ph type="body" idx="1"/>
+          </p:nvPr>
+        </p:nvSpPr>
+        <p:spPr>
+          <a:xfrm>
+            <a:off x="685800" y="4343400"/>
+            <a:ext cx="5486400" cy="4114800"/>
+          </a:xfrm>
+          <a:prstGeom prst="rect">
+            <a:avLst/>
+          </a:prstGeom>
+        </p:spPr>
+        <p:txBody>
+          <a:bodyPr spcFirstLastPara="1" wrap="square" lIns="91425" tIns="91425" rIns="91425" bIns="91425" anchor="t" anchorCtr="0">
+            <a:noAutofit/>
+          </a:bodyPr>
+          <a:lstStyle/>
+          <a:p>
+            <a:pPr marL="0" lvl="0" indent="0" algn="l" rtl="0">
+              <a:spcBef>
+                <a:spcPts val="0"/>
+              </a:spcBef>
+              <a:spcAft>
+                <a:spcPts val="0"/>
+              </a:spcAft>
+              <a:buNone/>
+            </a:pPr>
+            <a:endParaRPr/>
+          </a:p>
+        </p:txBody>
+      </p:sp>
+    </p:spTree>
+    <p:extLst>
+      <p:ext uri="{BB962C8B-B14F-4D97-AF65-F5344CB8AC3E}">
+        <p14:creationId xmlns:p14="http://schemas.microsoft.com/office/powerpoint/2010/main" val="3521814214"/>
+      </p:ext>
+    </p:extLst>
+  </p:cSld>
+  <p:clrMapOvr>
+    <a:masterClrMapping/>
+  </p:clrMapOvr>
+</p:notes>
+</file>
+
+<file path=ppt/notesSlides/notesSlide11.xml><?xml version="1.0" encoding="utf-8"?>
+<p:notes xmlns:a="http://schemas.openxmlformats.org/drawingml/2006/main" xmlns:r="http://schemas.openxmlformats.org/officeDocument/2006/relationships" xmlns:p="http://schemas.openxmlformats.org/presentationml/2006/main" showMasterSp="0" showMasterPhAnim="0">
+  <p:cSld>
+    <p:spTree>
+      <p:nvGrpSpPr>
         <p:cNvPr id="1" name="Shape 124"/>
         <p:cNvGrpSpPr/>
         <p:nvPr/>
@@ -940,7 +1068,7 @@
 </p:notes>
 </file>
 
-<file path=ppt/notesSlides/notesSlide11.xml><?xml version="1.0" encoding="utf-8"?>
+<file path=ppt/notesSlides/notesSlide12.xml><?xml version="1.0" encoding="utf-8"?>
 <p:notes xmlns:a="http://schemas.openxmlformats.org/drawingml/2006/main" xmlns:r="http://schemas.openxmlformats.org/officeDocument/2006/relationships" xmlns:p="http://schemas.openxmlformats.org/presentationml/2006/main" showMasterSp="0" showMasterPhAnim="0">
   <p:cSld>
     <p:spTree>
@@ -1049,7 +1177,7 @@
 </p:notes>
 </file>
 
-<file path=ppt/notesSlides/notesSlide12.xml><?xml version="1.0" encoding="utf-8"?>
+<file path=ppt/notesSlides/notesSlide13.xml><?xml version="1.0" encoding="utf-8"?>
 <p:notes xmlns:a="http://schemas.openxmlformats.org/drawingml/2006/main" xmlns:r="http://schemas.openxmlformats.org/officeDocument/2006/relationships" xmlns:p="http://schemas.openxmlformats.org/presentationml/2006/main" showMasterSp="0" showMasterPhAnim="0">
   <p:cSld>
     <p:spTree>
@@ -1153,7 +1281,7 @@
 </p:notes>
 </file>
 
-<file path=ppt/notesSlides/notesSlide13.xml><?xml version="1.0" encoding="utf-8"?>
+<file path=ppt/notesSlides/notesSlide14.xml><?xml version="1.0" encoding="utf-8"?>
 <p:notes xmlns:a="http://schemas.openxmlformats.org/drawingml/2006/main" xmlns:r="http://schemas.openxmlformats.org/officeDocument/2006/relationships" xmlns:p="http://schemas.openxmlformats.org/presentationml/2006/main" showMasterSp="0" showMasterPhAnim="0">
   <p:cSld>
     <p:spTree>
@@ -9350,6 +9478,150 @@
   <p:cSld>
     <p:spTree>
       <p:nvGrpSpPr>
+        <p:cNvPr id="1" name="Shape 127">
+          <a:extLst>
+            <a:ext uri="{FF2B5EF4-FFF2-40B4-BE49-F238E27FC236}">
+              <a16:creationId xmlns:a16="http://schemas.microsoft.com/office/drawing/2014/main" id="{3CAC610A-7C51-A94E-5ED1-BCAE424FF3C5}"/>
+            </a:ext>
+          </a:extLst>
+        </p:cNvPr>
+        <p:cNvGrpSpPr/>
+        <p:nvPr/>
+      </p:nvGrpSpPr>
+      <p:grpSpPr>
+        <a:xfrm>
+          <a:off x="0" y="0"/>
+          <a:ext cx="0" cy="0"/>
+          <a:chOff x="0" y="0"/>
+          <a:chExt cx="0" cy="0"/>
+        </a:xfrm>
+      </p:grpSpPr>
+      <p:sp>
+        <p:nvSpPr>
+          <p:cNvPr id="128" name="Google Shape;128;p23">
+            <a:extLst>
+              <a:ext uri="{FF2B5EF4-FFF2-40B4-BE49-F238E27FC236}">
+                <a16:creationId xmlns:a16="http://schemas.microsoft.com/office/drawing/2014/main" id="{A3833619-D6B3-91D3-8F8A-2BB833F7A8B5}"/>
+              </a:ext>
+            </a:extLst>
+          </p:cNvPr>
+          <p:cNvSpPr txBox="1">
+            <a:spLocks noGrp="1"/>
+          </p:cNvSpPr>
+          <p:nvPr>
+            <p:ph type="title"/>
+          </p:nvPr>
+        </p:nvSpPr>
+        <p:spPr>
+          <a:xfrm>
+            <a:off x="500550" y="330724"/>
+            <a:ext cx="8520600" cy="1095900"/>
+          </a:xfrm>
+          <a:prstGeom prst="rect">
+            <a:avLst/>
+          </a:prstGeom>
+        </p:spPr>
+        <p:txBody>
+          <a:bodyPr spcFirstLastPara="1" wrap="square" lIns="91425" tIns="91425" rIns="91425" bIns="91425" anchor="t" anchorCtr="0">
+            <a:noAutofit/>
+          </a:bodyPr>
+          <a:lstStyle/>
+          <a:p>
+            <a:pPr marL="0" lvl="0" indent="0" algn="l" rtl="0">
+              <a:spcBef>
+                <a:spcPts val="0"/>
+              </a:spcBef>
+              <a:spcAft>
+                <a:spcPts val="0"/>
+              </a:spcAft>
+              <a:buNone/>
+            </a:pPr>
+            <a:r>
+              <a:rPr lang="ru" sz="3000" dirty="0"/>
+              <a:t>Схемы</a:t>
+            </a:r>
+            <a:endParaRPr sz="3000" dirty="0"/>
+          </a:p>
+        </p:txBody>
+      </p:sp>
+      <p:pic>
+        <p:nvPicPr>
+          <p:cNvPr id="3" name="Рисунок 2">
+            <a:extLst>
+              <a:ext uri="{FF2B5EF4-FFF2-40B4-BE49-F238E27FC236}">
+                <a16:creationId xmlns:a16="http://schemas.microsoft.com/office/drawing/2014/main" id="{EB88A11E-0AE1-C50C-C911-365905D8265F}"/>
+              </a:ext>
+            </a:extLst>
+          </p:cNvPr>
+          <p:cNvPicPr>
+            <a:picLocks noChangeAspect="1"/>
+          </p:cNvPicPr>
+          <p:nvPr/>
+        </p:nvPicPr>
+        <p:blipFill>
+          <a:blip r:embed="rId3"/>
+          <a:stretch>
+            <a:fillRect/>
+          </a:stretch>
+        </p:blipFill>
+        <p:spPr>
+          <a:xfrm>
+            <a:off x="7079150" y="330724"/>
+            <a:ext cx="1773893" cy="4333009"/>
+          </a:xfrm>
+          <a:prstGeom prst="rect">
+            <a:avLst/>
+          </a:prstGeom>
+        </p:spPr>
+      </p:pic>
+      <p:pic>
+        <p:nvPicPr>
+          <p:cNvPr id="5" name="Рисунок 4">
+            <a:extLst>
+              <a:ext uri="{FF2B5EF4-FFF2-40B4-BE49-F238E27FC236}">
+                <a16:creationId xmlns:a16="http://schemas.microsoft.com/office/drawing/2014/main" id="{D7FECBD5-FA7A-23F1-85CD-E063CEDB8332}"/>
+              </a:ext>
+            </a:extLst>
+          </p:cNvPr>
+          <p:cNvPicPr>
+            <a:picLocks noChangeAspect="1"/>
+          </p:cNvPicPr>
+          <p:nvPr/>
+        </p:nvPicPr>
+        <p:blipFill>
+          <a:blip r:embed="rId4"/>
+          <a:stretch>
+            <a:fillRect/>
+          </a:stretch>
+        </p:blipFill>
+        <p:spPr>
+          <a:xfrm>
+            <a:off x="921959" y="1255928"/>
+            <a:ext cx="5735782" cy="2940089"/>
+          </a:xfrm>
+          <a:prstGeom prst="rect">
+            <a:avLst/>
+          </a:prstGeom>
+        </p:spPr>
+      </p:pic>
+    </p:spTree>
+    <p:extLst>
+      <p:ext uri="{BB962C8B-B14F-4D97-AF65-F5344CB8AC3E}">
+        <p14:creationId xmlns:p14="http://schemas.microsoft.com/office/powerpoint/2010/main" val="3853663476"/>
+      </p:ext>
+    </p:extLst>
+  </p:cSld>
+  <p:clrMapOvr>
+    <a:masterClrMapping/>
+  </p:clrMapOvr>
+</p:sld>
+</file>
+
+<file path=ppt/slides/slide11.xml><?xml version="1.0" encoding="utf-8"?>
+<p:sld xmlns:a="http://schemas.openxmlformats.org/drawingml/2006/main" xmlns:r="http://schemas.openxmlformats.org/officeDocument/2006/relationships" xmlns:p="http://schemas.openxmlformats.org/presentationml/2006/main">
+  <p:cSld>
+    <p:spTree>
+      <p:nvGrpSpPr>
         <p:cNvPr id="1" name="Shape 127"/>
         <p:cNvGrpSpPr/>
         <p:nvPr/>
@@ -9567,7 +9839,7 @@
 </p:sld>
 </file>
 
-<file path=ppt/slides/slide11.xml><?xml version="1.0" encoding="utf-8"?>
+<file path=ppt/slides/slide12.xml><?xml version="1.0" encoding="utf-8"?>
 <p:sld xmlns:a="http://schemas.openxmlformats.org/drawingml/2006/main" xmlns:r="http://schemas.openxmlformats.org/officeDocument/2006/relationships" xmlns:p="http://schemas.openxmlformats.org/presentationml/2006/main">
   <p:cSld>
     <p:spTree>
@@ -9685,7 +9957,7 @@
 </p:sld>
 </file>
 
-<file path=ppt/slides/slide12.xml><?xml version="1.0" encoding="utf-8"?>
+<file path=ppt/slides/slide13.xml><?xml version="1.0" encoding="utf-8"?>
 <p:sld xmlns:a="http://schemas.openxmlformats.org/drawingml/2006/main" xmlns:r="http://schemas.openxmlformats.org/officeDocument/2006/relationships" xmlns:p="http://schemas.openxmlformats.org/presentationml/2006/main">
   <p:cSld>
     <p:spTree>
@@ -10392,7 +10664,7 @@
 </p:sld>
 </file>
 
-<file path=ppt/slides/slide13.xml><?xml version="1.0" encoding="utf-8"?>
+<file path=ppt/slides/slide14.xml><?xml version="1.0" encoding="utf-8"?>
 <p:sld xmlns:a="http://schemas.openxmlformats.org/drawingml/2006/main" xmlns:r="http://schemas.openxmlformats.org/officeDocument/2006/relationships" xmlns:p="http://schemas.openxmlformats.org/presentationml/2006/main">
   <p:cSld>
     <p:spTree>
@@ -14660,6 +14932,36 @@
           <a:chExt cx="0" cy="0"/>
         </a:xfrm>
       </p:grpSpPr>
+      <p:pic>
+        <p:nvPicPr>
+          <p:cNvPr id="4" name="Рисунок 3">
+            <a:extLst>
+              <a:ext uri="{FF2B5EF4-FFF2-40B4-BE49-F238E27FC236}">
+                <a16:creationId xmlns:a16="http://schemas.microsoft.com/office/drawing/2014/main" id="{A1D0F0A1-AE5F-4058-4041-B87B1C9E0DFD}"/>
+              </a:ext>
+            </a:extLst>
+          </p:cNvPr>
+          <p:cNvPicPr>
+            <a:picLocks noChangeAspect="1"/>
+          </p:cNvPicPr>
+          <p:nvPr/>
+        </p:nvPicPr>
+        <p:blipFill>
+          <a:blip r:embed="rId3"/>
+          <a:stretch>
+            <a:fillRect/>
+          </a:stretch>
+        </p:blipFill>
+        <p:spPr>
+          <a:xfrm>
+            <a:off x="1552459" y="40534"/>
+            <a:ext cx="7090991" cy="4772242"/>
+          </a:xfrm>
+          <a:prstGeom prst="rect">
+            <a:avLst/>
+          </a:prstGeom>
+        </p:spPr>
+      </p:pic>
       <p:sp>
         <p:nvSpPr>
           <p:cNvPr id="128" name="Google Shape;128;p23"/>
@@ -14702,66 +15004,6 @@
           </a:p>
         </p:txBody>
       </p:sp>
-      <p:pic>
-        <p:nvPicPr>
-          <p:cNvPr id="3" name="Рисунок 2">
-            <a:extLst>
-              <a:ext uri="{FF2B5EF4-FFF2-40B4-BE49-F238E27FC236}">
-                <a16:creationId xmlns:a16="http://schemas.microsoft.com/office/drawing/2014/main" id="{C3B65B96-6724-0811-EABF-E9BF8F9546BC}"/>
-              </a:ext>
-            </a:extLst>
-          </p:cNvPr>
-          <p:cNvPicPr>
-            <a:picLocks noChangeAspect="1"/>
-          </p:cNvPicPr>
-          <p:nvPr/>
-        </p:nvPicPr>
-        <p:blipFill>
-          <a:blip r:embed="rId3"/>
-          <a:stretch>
-            <a:fillRect/>
-          </a:stretch>
-        </p:blipFill>
-        <p:spPr>
-          <a:xfrm>
-            <a:off x="7079150" y="330724"/>
-            <a:ext cx="1773893" cy="4333009"/>
-          </a:xfrm>
-          <a:prstGeom prst="rect">
-            <a:avLst/>
-          </a:prstGeom>
-        </p:spPr>
-      </p:pic>
-      <p:pic>
-        <p:nvPicPr>
-          <p:cNvPr id="5" name="Рисунок 4">
-            <a:extLst>
-              <a:ext uri="{FF2B5EF4-FFF2-40B4-BE49-F238E27FC236}">
-                <a16:creationId xmlns:a16="http://schemas.microsoft.com/office/drawing/2014/main" id="{84927AB2-167C-7FE7-2D75-181515B514BE}"/>
-              </a:ext>
-            </a:extLst>
-          </p:cNvPr>
-          <p:cNvPicPr>
-            <a:picLocks noChangeAspect="1"/>
-          </p:cNvPicPr>
-          <p:nvPr/>
-        </p:nvPicPr>
-        <p:blipFill>
-          <a:blip r:embed="rId4"/>
-          <a:stretch>
-            <a:fillRect/>
-          </a:stretch>
-        </p:blipFill>
-        <p:spPr>
-          <a:xfrm>
-            <a:off x="921959" y="1255928"/>
-            <a:ext cx="5735782" cy="2940089"/>
-          </a:xfrm>
-          <a:prstGeom prst="rect">
-            <a:avLst/>
-          </a:prstGeom>
-        </p:spPr>
-      </p:pic>
     </p:spTree>
   </p:cSld>
   <p:clrMapOvr>

--- a/doc/Презентация.pptx
+++ b/doc/Презентация.pptx
@@ -9514,7 +9514,7 @@
         </p:nvSpPr>
         <p:spPr>
           <a:xfrm>
-            <a:off x="500550" y="330724"/>
+            <a:off x="2619512" y="80328"/>
             <a:ext cx="8520600" cy="1095900"/>
           </a:xfrm>
           <a:prstGeom prst="rect">
@@ -9566,8 +9566,8 @@
         </p:blipFill>
         <p:spPr>
           <a:xfrm>
-            <a:off x="7079150" y="330724"/>
-            <a:ext cx="1773893" cy="4333009"/>
+            <a:off x="389687" y="80328"/>
+            <a:ext cx="1991120" cy="4863620"/>
           </a:xfrm>
           <a:prstGeom prst="rect">
             <a:avLst/>
@@ -9596,8 +9596,8 @@
         </p:blipFill>
         <p:spPr>
           <a:xfrm>
-            <a:off x="921959" y="1255928"/>
-            <a:ext cx="5735782" cy="2940089"/>
+            <a:off x="2619512" y="933156"/>
+            <a:ext cx="6393424" cy="3277188"/>
           </a:xfrm>
           <a:prstGeom prst="rect">
             <a:avLst/>
@@ -10567,95 +10567,6 @@
           </a:graphicData>
         </a:graphic>
       </p:graphicFrame>
-      <p:sp>
-        <p:nvSpPr>
-          <p:cNvPr id="143" name="Google Shape;143;p25"/>
-          <p:cNvSpPr/>
-          <p:nvPr/>
-        </p:nvSpPr>
-        <p:spPr>
-          <a:xfrm>
-            <a:off x="4994650" y="3348050"/>
-            <a:ext cx="3229200" cy="706500"/>
-          </a:xfrm>
-          <a:prstGeom prst="wedgeRectCallout">
-            <a:avLst>
-              <a:gd name="adj1" fmla="val -31236"/>
-              <a:gd name="adj2" fmla="val -97297"/>
-            </a:avLst>
-          </a:prstGeom>
-          <a:solidFill>
-            <a:srgbClr val="F3F3F3"/>
-          </a:solidFill>
-          <a:ln w="9525" cap="flat" cmpd="sng">
-            <a:solidFill>
-              <a:srgbClr val="013D85"/>
-            </a:solidFill>
-            <a:prstDash val="solid"/>
-            <a:round/>
-            <a:headEnd type="none" w="sm" len="sm"/>
-            <a:tailEnd type="none" w="sm" len="sm"/>
-          </a:ln>
-        </p:spPr>
-        <p:txBody>
-          <a:bodyPr spcFirstLastPara="1" wrap="square" lIns="198000" tIns="126000" rIns="198000" bIns="126000" anchor="ctr" anchorCtr="0">
-            <a:noAutofit/>
-          </a:bodyPr>
-          <a:lstStyle/>
-          <a:p>
-            <a:pPr marL="0" lvl="0" indent="0" algn="l" rtl="0">
-              <a:spcBef>
-                <a:spcPts val="600"/>
-              </a:spcBef>
-              <a:spcAft>
-                <a:spcPts val="0"/>
-              </a:spcAft>
-              <a:buNone/>
-            </a:pPr>
-            <a:r>
-              <a:rPr lang="ru" sz="1100" dirty="0">
-                <a:solidFill>
-                  <a:srgbClr val="02418B"/>
-                </a:solidFill>
-                <a:latin typeface="Roboto"/>
-                <a:ea typeface="Roboto"/>
-                <a:cs typeface="Roboto"/>
-                <a:sym typeface="Roboto"/>
-              </a:rPr>
-              <a:t>Запланируйте пару минут на рефлексию в конце защиты проекта и расскажите о планах по развитию</a:t>
-            </a:r>
-            <a:endParaRPr sz="1100" dirty="0">
-              <a:solidFill>
-                <a:srgbClr val="02418B"/>
-              </a:solidFill>
-              <a:latin typeface="Roboto"/>
-              <a:ea typeface="Roboto"/>
-              <a:cs typeface="Roboto"/>
-              <a:sym typeface="Roboto"/>
-            </a:endParaRPr>
-          </a:p>
-          <a:p>
-            <a:pPr marL="0" lvl="0" indent="0" algn="l" rtl="0">
-              <a:spcBef>
-                <a:spcPts val="0"/>
-              </a:spcBef>
-              <a:spcAft>
-                <a:spcPts val="0"/>
-              </a:spcAft>
-              <a:buNone/>
-            </a:pPr>
-            <a:endParaRPr sz="1100" dirty="0">
-              <a:solidFill>
-                <a:srgbClr val="02418B"/>
-              </a:solidFill>
-              <a:latin typeface="Roboto"/>
-              <a:ea typeface="Roboto"/>
-              <a:cs typeface="Roboto"/>
-              <a:sym typeface="Roboto"/>
-            </a:endParaRPr>
-          </a:p>
-        </p:txBody>
-      </p:sp>
     </p:spTree>
   </p:cSld>
   <p:clrMapOvr>
